--- a/Semana 9/clase9.pptx
+++ b/Semana 9/clase9.pptx
@@ -254,7 +254,7 @@
           <a:p>
             <a:fld id="{56EFBD41-8F30-499F-8836-9A8B592EDCF2}" type="datetimeFigureOut">
               <a:rPr lang="es-CR" smtClean="0"/>
-              <a:t>18/3/2019</a:t>
+              <a:t>20/3/2019</a:t>
             </a:fld>
             <a:endParaRPr lang="es-CR" dirty="0"/>
           </a:p>
@@ -419,7 +419,7 @@
           <a:p>
             <a:fld id="{701C4BE3-AD0D-43FB-97B9-68E31F3243AC}" type="datetimeFigureOut">
               <a:rPr lang="es-CR" smtClean="0"/>
-              <a:t>18/3/2019</a:t>
+              <a:t>20/3/2019</a:t>
             </a:fld>
             <a:endParaRPr lang="es-CR" dirty="0"/>
           </a:p>
@@ -829,7 +829,7 @@
           <a:p>
             <a:fld id="{EABE8AA6-12A8-4B45-AB18-A83908A3A2E6}" type="datetimeFigureOut">
               <a:rPr lang="es-ES" smtClean="0"/>
-              <a:t>18/03/2019</a:t>
+              <a:t>20/03/2019</a:t>
             </a:fld>
             <a:endParaRPr lang="es-ES" dirty="0"/>
           </a:p>
@@ -999,7 +999,7 @@
           <a:p>
             <a:fld id="{EABE8AA6-12A8-4B45-AB18-A83908A3A2E6}" type="datetimeFigureOut">
               <a:rPr lang="es-ES" smtClean="0"/>
-              <a:t>18/03/2019</a:t>
+              <a:t>20/03/2019</a:t>
             </a:fld>
             <a:endParaRPr lang="es-ES" dirty="0"/>
           </a:p>
@@ -1179,7 +1179,7 @@
           <a:p>
             <a:fld id="{EABE8AA6-12A8-4B45-AB18-A83908A3A2E6}" type="datetimeFigureOut">
               <a:rPr lang="es-ES" smtClean="0"/>
-              <a:t>18/03/2019</a:t>
+              <a:t>20/03/2019</a:t>
             </a:fld>
             <a:endParaRPr lang="es-ES" dirty="0"/>
           </a:p>
@@ -1382,7 +1382,7 @@
           <a:p>
             <a:fld id="{EABE8AA6-12A8-4B45-AB18-A83908A3A2E6}" type="datetimeFigureOut">
               <a:rPr lang="es-ES" smtClean="0"/>
-              <a:t>18/03/2019</a:t>
+              <a:t>20/03/2019</a:t>
             </a:fld>
             <a:endParaRPr lang="es-ES" dirty="0"/>
           </a:p>
@@ -1552,7 +1552,7 @@
           <a:p>
             <a:fld id="{EABE8AA6-12A8-4B45-AB18-A83908A3A2E6}" type="datetimeFigureOut">
               <a:rPr lang="es-ES" smtClean="0"/>
-              <a:t>18/03/2019</a:t>
+              <a:t>20/03/2019</a:t>
             </a:fld>
             <a:endParaRPr lang="es-ES" dirty="0"/>
           </a:p>
@@ -1803,7 +1803,7 @@
           <a:p>
             <a:fld id="{EABE8AA6-12A8-4B45-AB18-A83908A3A2E6}" type="datetimeFigureOut">
               <a:rPr lang="es-ES" smtClean="0"/>
-              <a:t>18/03/2019</a:t>
+              <a:t>20/03/2019</a:t>
             </a:fld>
             <a:endParaRPr lang="es-ES" dirty="0"/>
           </a:p>
@@ -2035,7 +2035,7 @@
           <a:p>
             <a:fld id="{EABE8AA6-12A8-4B45-AB18-A83908A3A2E6}" type="datetimeFigureOut">
               <a:rPr lang="es-ES" smtClean="0"/>
-              <a:t>18/03/2019</a:t>
+              <a:t>20/03/2019</a:t>
             </a:fld>
             <a:endParaRPr lang="es-ES" dirty="0"/>
           </a:p>
@@ -2382,7 +2382,7 @@
           <a:p>
             <a:fld id="{EABE8AA6-12A8-4B45-AB18-A83908A3A2E6}" type="datetimeFigureOut">
               <a:rPr lang="es-ES" smtClean="0"/>
-              <a:t>18/03/2019</a:t>
+              <a:t>20/03/2019</a:t>
             </a:fld>
             <a:endParaRPr lang="es-ES" dirty="0"/>
           </a:p>
@@ -2500,7 +2500,7 @@
           <a:p>
             <a:fld id="{73D7E00A-486F-4252-8B1D-E32645521F49}" type="datetime1">
               <a:rPr lang="en-US" smtClean="0"/>
-              <a:t>3/18/2019</a:t>
+              <a:t>3/20/2019</a:t>
             </a:fld>
             <a:endParaRPr lang="en-US" dirty="0"/>
           </a:p>
@@ -2618,7 +2618,7 @@
           <a:p>
             <a:fld id="{EABE8AA6-12A8-4B45-AB18-A83908A3A2E6}" type="datetimeFigureOut">
               <a:rPr lang="es-ES" smtClean="0"/>
-              <a:t>18/03/2019</a:t>
+              <a:t>20/03/2019</a:t>
             </a:fld>
             <a:endParaRPr lang="es-ES" dirty="0"/>
           </a:p>
@@ -2902,7 +2902,7 @@
           <a:p>
             <a:fld id="{EABE8AA6-12A8-4B45-AB18-A83908A3A2E6}" type="datetimeFigureOut">
               <a:rPr lang="es-ES" smtClean="0"/>
-              <a:t>18/03/2019</a:t>
+              <a:t>20/03/2019</a:t>
             </a:fld>
             <a:endParaRPr lang="es-ES" dirty="0"/>
           </a:p>
@@ -3072,7 +3072,7 @@
           <a:p>
             <a:fld id="{EABE8AA6-12A8-4B45-AB18-A83908A3A2E6}" type="datetimeFigureOut">
               <a:rPr lang="es-ES" smtClean="0"/>
-              <a:t>18/03/2019</a:t>
+              <a:t>20/03/2019</a:t>
             </a:fld>
             <a:endParaRPr lang="es-ES" dirty="0"/>
           </a:p>
@@ -3336,7 +3336,7 @@
           <a:p>
             <a:fld id="{EABE8AA6-12A8-4B45-AB18-A83908A3A2E6}" type="datetimeFigureOut">
               <a:rPr lang="es-ES" smtClean="0"/>
-              <a:t>18/03/2019</a:t>
+              <a:t>20/03/2019</a:t>
             </a:fld>
             <a:endParaRPr lang="es-ES" dirty="0"/>
           </a:p>
@@ -3506,7 +3506,7 @@
           <a:p>
             <a:fld id="{EABE8AA6-12A8-4B45-AB18-A83908A3A2E6}" type="datetimeFigureOut">
               <a:rPr lang="es-ES" smtClean="0"/>
-              <a:t>18/03/2019</a:t>
+              <a:t>20/03/2019</a:t>
             </a:fld>
             <a:endParaRPr lang="es-ES" dirty="0"/>
           </a:p>
@@ -3686,7 +3686,7 @@
           <a:p>
             <a:fld id="{EABE8AA6-12A8-4B45-AB18-A83908A3A2E6}" type="datetimeFigureOut">
               <a:rPr lang="es-ES" smtClean="0"/>
-              <a:t>18/03/2019</a:t>
+              <a:t>20/03/2019</a:t>
             </a:fld>
             <a:endParaRPr lang="es-ES" dirty="0"/>
           </a:p>
@@ -3878,7 +3878,7 @@
           <a:p>
             <a:fld id="{EABE8AA6-12A8-4B45-AB18-A83908A3A2E6}" type="datetimeFigureOut">
               <a:rPr lang="es-ES" smtClean="0"/>
-              <a:t>18/03/2019</a:t>
+              <a:t>20/03/2019</a:t>
             </a:fld>
             <a:endParaRPr lang="es-ES" dirty="0"/>
           </a:p>
@@ -4139,7 +4139,7 @@
           <a:p>
             <a:fld id="{EABE8AA6-12A8-4B45-AB18-A83908A3A2E6}" type="datetimeFigureOut">
               <a:rPr lang="es-ES" smtClean="0"/>
-              <a:t>18/03/2019</a:t>
+              <a:t>20/03/2019</a:t>
             </a:fld>
             <a:endParaRPr lang="es-ES" dirty="0"/>
           </a:p>
@@ -4530,7 +4530,7 @@
           <a:p>
             <a:fld id="{EABE8AA6-12A8-4B45-AB18-A83908A3A2E6}" type="datetimeFigureOut">
               <a:rPr lang="es-ES" smtClean="0"/>
-              <a:t>18/03/2019</a:t>
+              <a:t>20/03/2019</a:t>
             </a:fld>
             <a:endParaRPr lang="es-ES" dirty="0"/>
           </a:p>
@@ -4818,7 +4818,7 @@
           <a:p>
             <a:fld id="{EABE8AA6-12A8-4B45-AB18-A83908A3A2E6}" type="datetimeFigureOut">
               <a:rPr lang="es-ES" smtClean="0"/>
-              <a:t>18/03/2019</a:t>
+              <a:t>20/03/2019</a:t>
             </a:fld>
             <a:endParaRPr lang="es-ES" dirty="0"/>
           </a:p>
@@ -5241,7 +5241,7 @@
           <a:p>
             <a:fld id="{EABE8AA6-12A8-4B45-AB18-A83908A3A2E6}" type="datetimeFigureOut">
               <a:rPr lang="es-ES" smtClean="0"/>
-              <a:t>18/03/2019</a:t>
+              <a:t>20/03/2019</a:t>
             </a:fld>
             <a:endParaRPr lang="es-ES" dirty="0"/>
           </a:p>
@@ -5359,7 +5359,7 @@
           <a:p>
             <a:fld id="{73D7E00A-486F-4252-8B1D-E32645521F49}" type="datetime1">
               <a:rPr lang="en-US" smtClean="0"/>
-              <a:t>3/18/2019</a:t>
+              <a:t>3/20/2019</a:t>
             </a:fld>
             <a:endParaRPr lang="en-US" dirty="0"/>
           </a:p>
@@ -5454,7 +5454,7 @@
           <a:p>
             <a:fld id="{EABE8AA6-12A8-4B45-AB18-A83908A3A2E6}" type="datetimeFigureOut">
               <a:rPr lang="es-ES" smtClean="0"/>
-              <a:t>18/03/2019</a:t>
+              <a:t>20/03/2019</a:t>
             </a:fld>
             <a:endParaRPr lang="es-ES" dirty="0"/>
           </a:p>
@@ -5705,7 +5705,7 @@
           <a:p>
             <a:fld id="{EABE8AA6-12A8-4B45-AB18-A83908A3A2E6}" type="datetimeFigureOut">
               <a:rPr lang="es-ES" smtClean="0"/>
-              <a:t>18/03/2019</a:t>
+              <a:t>20/03/2019</a:t>
             </a:fld>
             <a:endParaRPr lang="es-ES" dirty="0"/>
           </a:p>
@@ -5982,7 +5982,7 @@
           <a:p>
             <a:fld id="{EABE8AA6-12A8-4B45-AB18-A83908A3A2E6}" type="datetimeFigureOut">
               <a:rPr lang="es-ES" smtClean="0"/>
-              <a:t>18/03/2019</a:t>
+              <a:t>20/03/2019</a:t>
             </a:fld>
             <a:endParaRPr lang="es-ES" dirty="0"/>
           </a:p>
@@ -6239,7 +6239,7 @@
           <a:p>
             <a:fld id="{EABE8AA6-12A8-4B45-AB18-A83908A3A2E6}" type="datetimeFigureOut">
               <a:rPr lang="es-ES" smtClean="0"/>
-              <a:t>18/03/2019</a:t>
+              <a:t>20/03/2019</a:t>
             </a:fld>
             <a:endParaRPr lang="es-ES" dirty="0"/>
           </a:p>
@@ -6409,7 +6409,7 @@
           <a:p>
             <a:fld id="{EABE8AA6-12A8-4B45-AB18-A83908A3A2E6}" type="datetimeFigureOut">
               <a:rPr lang="es-ES" smtClean="0"/>
-              <a:t>18/03/2019</a:t>
+              <a:t>20/03/2019</a:t>
             </a:fld>
             <a:endParaRPr lang="es-ES" dirty="0"/>
           </a:p>
@@ -6589,7 +6589,7 @@
           <a:p>
             <a:fld id="{EABE8AA6-12A8-4B45-AB18-A83908A3A2E6}" type="datetimeFigureOut">
               <a:rPr lang="es-ES" smtClean="0"/>
-              <a:t>18/03/2019</a:t>
+              <a:t>20/03/2019</a:t>
             </a:fld>
             <a:endParaRPr lang="es-ES" dirty="0"/>
           </a:p>
@@ -7129,7 +7129,7 @@
           <a:p>
             <a:fld id="{EABE8AA6-12A8-4B45-AB18-A83908A3A2E6}" type="datetimeFigureOut">
               <a:rPr lang="es-ES" smtClean="0"/>
-              <a:t>18/03/2019</a:t>
+              <a:t>20/03/2019</a:t>
             </a:fld>
             <a:endParaRPr lang="es-ES" dirty="0"/>
           </a:p>
@@ -7476,7 +7476,7 @@
           <a:p>
             <a:fld id="{EABE8AA6-12A8-4B45-AB18-A83908A3A2E6}" type="datetimeFigureOut">
               <a:rPr lang="es-ES" smtClean="0"/>
-              <a:t>18/03/2019</a:t>
+              <a:t>20/03/2019</a:t>
             </a:fld>
             <a:endParaRPr lang="es-ES" dirty="0"/>
           </a:p>
@@ -7594,7 +7594,7 @@
           <a:p>
             <a:fld id="{73D7E00A-486F-4252-8B1D-E32645521F49}" type="datetime1">
               <a:rPr lang="en-US" smtClean="0"/>
-              <a:t>3/18/2019</a:t>
+              <a:t>3/20/2019</a:t>
             </a:fld>
             <a:endParaRPr lang="en-US" dirty="0"/>
           </a:p>
@@ -8032,7 +8032,7 @@
           <a:p>
             <a:fld id="{EABE8AA6-12A8-4B45-AB18-A83908A3A2E6}" type="datetimeFigureOut">
               <a:rPr lang="es-ES" smtClean="0"/>
-              <a:t>18/03/2019</a:t>
+              <a:t>20/03/2019</a:t>
             </a:fld>
             <a:endParaRPr lang="es-ES" dirty="0"/>
           </a:p>
@@ -8296,7 +8296,7 @@
           <a:p>
             <a:fld id="{EABE8AA6-12A8-4B45-AB18-A83908A3A2E6}" type="datetimeFigureOut">
               <a:rPr lang="es-ES" smtClean="0"/>
-              <a:t>18/03/2019</a:t>
+              <a:t>20/03/2019</a:t>
             </a:fld>
             <a:endParaRPr lang="es-ES" dirty="0"/>
           </a:p>
@@ -8510,7 +8510,7 @@
           <a:p>
             <a:fld id="{5586B75A-687E-405C-8A0B-8D00578BA2C3}" type="datetime1">
               <a:rPr lang="en-US" smtClean="0"/>
-              <a:t>3/18/2019</a:t>
+              <a:t>3/20/2019</a:t>
             </a:fld>
             <a:endParaRPr lang="en-US" dirty="0"/>
           </a:p>
@@ -9040,7 +9040,7 @@
           <a:p>
             <a:fld id="{5586B75A-687E-405C-8A0B-8D00578BA2C3}" type="datetime1">
               <a:rPr lang="en-US" smtClean="0"/>
-              <a:t>3/18/2019</a:t>
+              <a:t>3/20/2019</a:t>
             </a:fld>
             <a:endParaRPr lang="en-US" dirty="0"/>
           </a:p>
@@ -9569,7 +9569,7 @@
           <a:p>
             <a:fld id="{5586B75A-687E-405C-8A0B-8D00578BA2C3}" type="datetime1">
               <a:rPr lang="en-US" smtClean="0"/>
-              <a:t>3/18/2019</a:t>
+              <a:t>3/20/2019</a:t>
             </a:fld>
             <a:endParaRPr lang="en-US" dirty="0"/>
           </a:p>
@@ -17568,7 +17568,15 @@
             </a:pPr>
             <a:r>
               <a:rPr lang="es-ES" dirty="0"/>
-              <a:t>WHERE codP = 'P04'</a:t>
+              <a:t>WHERE </a:t>
+            </a:r>
+            <a:r>
+              <a:rPr lang="es-ES" dirty="0" err="1"/>
+              <a:t>codP</a:t>
+            </a:r>
+            <a:r>
+              <a:rPr lang="es-ES" dirty="0"/>
+              <a:t> = 'P04'</a:t>
             </a:r>
           </a:p>
           <a:p>
@@ -17577,7 +17585,15 @@
             </a:pPr>
             <a:r>
               <a:rPr lang="es-ES" dirty="0"/>
-              <a:t>ORDER BY codP, codM;</a:t>
+              <a:t>ORDER BY </a:t>
+            </a:r>
+            <a:r>
+              <a:rPr lang="es-ES" dirty="0" err="1"/>
+              <a:t>codC</a:t>
+            </a:r>
+            <a:r>
+              <a:rPr lang="es-ES" dirty="0"/>
+              <a:t>, codM;</a:t>
             </a:r>
             <a:endParaRPr lang="es-CR" dirty="0"/>
           </a:p>
